--- a/Etude insalubrite dans le monde/RAMAT_Romain_Présentation_062025.pptx
+++ b/Etude insalubrite dans le monde/RAMAT_Romain_Présentation_062025.pptx
@@ -212,7 +212,7 @@
           <a:p>
             <a:fld id="{32200EB5-04A8-48EA-962E-C29B5FFA2F43}" type="datetimeFigureOut">
               <a:rPr lang="fr-FR" smtClean="0"/>
-              <a:t>11/06/2025</a:t>
+              <a:t>10/11/2025</a:t>
             </a:fld>
             <a:endParaRPr lang="fr-FR"/>
           </a:p>
@@ -670,7 +670,7 @@
           <a:p>
             <a:fld id="{A1DC89B0-F33D-492F-8753-C37DF3710AC2}" type="datetime1">
               <a:rPr lang="fr-FR" smtClean="0"/>
-              <a:t>11/06/2025</a:t>
+              <a:t>10/11/2025</a:t>
             </a:fld>
             <a:endParaRPr lang="fr-FR"/>
           </a:p>
@@ -1106,7 +1106,7 @@
           <a:p>
             <a:fld id="{FF16E8B4-879C-4058-AAC8-048648AB5453}" type="datetime1">
               <a:rPr lang="fr-FR" smtClean="0"/>
-              <a:t>11/06/2025</a:t>
+              <a:t>10/11/2025</a:t>
             </a:fld>
             <a:endParaRPr lang="fr-FR"/>
           </a:p>
@@ -1356,7 +1356,7 @@
           <a:p>
             <a:fld id="{227D9FAA-EF09-41AA-B2B8-FF27BB22ABBF}" type="datetime1">
               <a:rPr lang="fr-FR" smtClean="0"/>
-              <a:t>11/06/2025</a:t>
+              <a:t>10/11/2025</a:t>
             </a:fld>
             <a:endParaRPr lang="fr-FR"/>
           </a:p>
@@ -1664,7 +1664,7 @@
           <a:p>
             <a:fld id="{54F13965-AE60-403A-906A-D6E58B3D2A10}" type="datetime1">
               <a:rPr lang="fr-FR" smtClean="0"/>
-              <a:t>11/06/2025</a:t>
+              <a:t>10/11/2025</a:t>
             </a:fld>
             <a:endParaRPr lang="fr-FR"/>
           </a:p>
@@ -1982,7 +1982,7 @@
           <a:p>
             <a:fld id="{CCB80CF3-56EA-4E96-A465-3D416E1F738F}" type="datetime1">
               <a:rPr lang="fr-FR" smtClean="0"/>
-              <a:t>11/06/2025</a:t>
+              <a:t>10/11/2025</a:t>
             </a:fld>
             <a:endParaRPr lang="fr-FR"/>
           </a:p>
@@ -2284,7 +2284,7 @@
           <a:p>
             <a:fld id="{E3B8E6A7-8456-461E-9D25-E99DD8BC8D61}" type="datetime1">
               <a:rPr lang="fr-FR" smtClean="0"/>
-              <a:t>11/06/2025</a:t>
+              <a:t>10/11/2025</a:t>
             </a:fld>
             <a:endParaRPr lang="fr-FR"/>
           </a:p>
@@ -2651,7 +2651,7 @@
           <a:p>
             <a:fld id="{4A85BF42-5FE6-482B-9C47-EA7BF7DCD730}" type="datetime1">
               <a:rPr lang="fr-FR" smtClean="0"/>
-              <a:t>11/06/2025</a:t>
+              <a:t>10/11/2025</a:t>
             </a:fld>
             <a:endParaRPr lang="fr-FR"/>
           </a:p>
@@ -2825,7 +2825,7 @@
           <a:p>
             <a:fld id="{B7D47A78-905A-436C-97F1-601D85EF965C}" type="datetime1">
               <a:rPr lang="fr-FR" smtClean="0"/>
-              <a:t>11/06/2025</a:t>
+              <a:t>10/11/2025</a:t>
             </a:fld>
             <a:endParaRPr lang="fr-FR"/>
           </a:p>
@@ -3005,7 +3005,7 @@
           <a:p>
             <a:fld id="{EB832FEA-0294-4D68-86F6-705E1DF46DC6}" type="datetime1">
               <a:rPr lang="fr-FR" smtClean="0"/>
-              <a:t>11/06/2025</a:t>
+              <a:t>10/11/2025</a:t>
             </a:fld>
             <a:endParaRPr lang="fr-FR"/>
           </a:p>
@@ -3175,7 +3175,7 @@
           <a:p>
             <a:fld id="{6FDE4FDD-5C01-4399-B6B3-F0C13C5A2786}" type="datetime1">
               <a:rPr lang="fr-FR" smtClean="0"/>
-              <a:t>11/06/2025</a:t>
+              <a:t>10/11/2025</a:t>
             </a:fld>
             <a:endParaRPr lang="fr-FR"/>
           </a:p>
@@ -3690,7 +3690,7 @@
           <a:p>
             <a:fld id="{EADE2DDA-7CDB-44D7-B6A9-382C7663F552}" type="datetime1">
               <a:rPr lang="fr-FR" smtClean="0"/>
-              <a:t>11/06/2025</a:t>
+              <a:t>10/11/2025</a:t>
             </a:fld>
             <a:endParaRPr lang="fr-FR"/>
           </a:p>
@@ -4072,7 +4072,7 @@
           <a:p>
             <a:fld id="{3D3F65C1-0460-4D0D-9F86-1BBAF339B276}" type="datetime1">
               <a:rPr lang="fr-FR" smtClean="0"/>
-              <a:t>11/06/2025</a:t>
+              <a:t>10/11/2025</a:t>
             </a:fld>
             <a:endParaRPr lang="fr-FR"/>
           </a:p>
@@ -4190,7 +4190,7 @@
           <a:p>
             <a:fld id="{C26FEF8D-AF92-4A10-9349-E7550D81328F}" type="datetime1">
               <a:rPr lang="fr-FR" smtClean="0"/>
-              <a:t>11/06/2025</a:t>
+              <a:t>10/11/2025</a:t>
             </a:fld>
             <a:endParaRPr lang="fr-FR"/>
           </a:p>
@@ -4285,7 +4285,7 @@
           <a:p>
             <a:fld id="{16D8524A-C7F1-42A3-A8F7-496DED3E98D9}" type="datetime1">
               <a:rPr lang="fr-FR" smtClean="0"/>
-              <a:t>11/06/2025</a:t>
+              <a:t>10/11/2025</a:t>
             </a:fld>
             <a:endParaRPr lang="fr-FR"/>
           </a:p>
@@ -4540,7 +4540,7 @@
           <a:p>
             <a:fld id="{83C76935-2178-4282-9A5E-A31F4A6F9F1E}" type="datetime1">
               <a:rPr lang="fr-FR" smtClean="0"/>
-              <a:t>11/06/2025</a:t>
+              <a:t>10/11/2025</a:t>
             </a:fld>
             <a:endParaRPr lang="fr-FR"/>
           </a:p>
@@ -4823,7 +4823,7 @@
           <a:p>
             <a:fld id="{9120A38F-FCC3-43B0-815D-226EF051AF1E}" type="datetime1">
               <a:rPr lang="fr-FR" smtClean="0"/>
-              <a:t>11/06/2025</a:t>
+              <a:t>10/11/2025</a:t>
             </a:fld>
             <a:endParaRPr lang="fr-FR"/>
           </a:p>
@@ -5039,7 +5039,7 @@
           <a:p>
             <a:fld id="{50276B08-2AC7-4B55-B3F5-D0D1FDD8F89D}" type="datetime1">
               <a:rPr lang="fr-FR" smtClean="0"/>
-              <a:t>11/06/2025</a:t>
+              <a:t>10/11/2025</a:t>
             </a:fld>
             <a:endParaRPr lang="fr-FR"/>
           </a:p>
